--- a/CsigaVersenyPPT2.pptx
+++ b/CsigaVersenyPPT2.pptx
@@ -11,7 +11,7 @@
     <p:sldId id="259" r:id="rId5"/>
     <p:sldId id="260" r:id="rId6"/>
     <p:sldId id="261" r:id="rId7"/>
-    <p:sldId id="262" r:id="rId8"/>
+    <p:sldId id="263" r:id="rId8"/>
   </p:sldIdLst>
   <p:sldSz cx="12192000" cy="6858000"/>
   <p:notesSz cx="6858000" cy="9144000"/>
@@ -5781,36 +5781,74 @@
           <a:chExt cx="0" cy="0"/>
         </a:xfrm>
       </p:grpSpPr>
-      <p:sp>
-        <p:nvSpPr>
-          <p:cNvPr id="2" name="Cím 1">
+      <p:pic>
+        <p:nvPicPr>
+          <p:cNvPr id="4" name="Kép 3" descr="A képen szöveg, képernyőkép, szoftver, Multimédiás szoftver látható&#10;&#10;Előfordulhat, hogy a mesterséges intelligencia által létrehozott tartalom helytelen.">
             <a:extLst>
               <a:ext uri="{FF2B5EF4-FFF2-40B4-BE49-F238E27FC236}">
-                <a16:creationId xmlns:a16="http://schemas.microsoft.com/office/drawing/2014/main" id="{853EA4BA-40C2-4A78-BF7F-9C6A00D8B990}"/>
+                <a16:creationId xmlns:a16="http://schemas.microsoft.com/office/drawing/2014/main" id="{FE09E36A-26C0-2453-DA66-A2409D88F1F0}"/>
               </a:ext>
             </a:extLst>
           </p:cNvPr>
-          <p:cNvSpPr>
-            <a:spLocks noGrp="1"/>
-          </p:cNvSpPr>
-          <p:nvPr>
-            <p:ph type="title"/>
-          </p:nvPr>
-        </p:nvSpPr>
-        <p:spPr>
-          <a:xfrm>
-            <a:off x="5297762" y="1219767"/>
-            <a:ext cx="5969793" cy="4418466"/>
-          </a:xfrm>
-        </p:spPr>
-        <p:txBody>
-          <a:bodyPr vert="horz" lIns="91440" tIns="45720" rIns="91440" bIns="45720" rtlCol="0" anchor="b">
-            <a:normAutofit/>
+          <p:cNvPicPr>
+            <a:picLocks noChangeAspect="1"/>
+          </p:cNvPicPr>
+          <p:nvPr/>
+        </p:nvPicPr>
+        <p:blipFill>
+          <a:blip r:embed="rId3">
+            <a:extLst>
+              <a:ext uri="{28A0092B-C50C-407E-A947-70E740481C1C}">
+                <a14:useLocalDpi xmlns:a14="http://schemas.microsoft.com/office/drawing/2010/main" val="0"/>
+              </a:ext>
+            </a:extLst>
+          </a:blip>
+          <a:stretch>
+            <a:fillRect/>
+          </a:stretch>
+        </p:blipFill>
+        <p:spPr>
+          <a:xfrm>
+            <a:off x="1699146" y="1651380"/>
+            <a:ext cx="8966579" cy="4428698"/>
+          </a:xfrm>
+          <a:prstGeom prst="rect">
+            <a:avLst/>
+          </a:prstGeom>
+        </p:spPr>
+      </p:pic>
+      <p:sp>
+        <p:nvSpPr>
+          <p:cNvPr id="5" name="Szövegdoboz 4">
+            <a:extLst>
+              <a:ext uri="{FF2B5EF4-FFF2-40B4-BE49-F238E27FC236}">
+                <a16:creationId xmlns:a16="http://schemas.microsoft.com/office/drawing/2014/main" id="{CDFE10FA-8DE2-A12F-023D-31A916101649}"/>
+              </a:ext>
+            </a:extLst>
+          </p:cNvPr>
+          <p:cNvSpPr txBox="1"/>
+          <p:nvPr/>
+        </p:nvSpPr>
+        <p:spPr>
+          <a:xfrm>
+            <a:off x="5494392" y="511791"/>
+            <a:ext cx="1034257" cy="584775"/>
+          </a:xfrm>
+          <a:prstGeom prst="rect">
+            <a:avLst/>
+          </a:prstGeom>
+          <a:noFill/>
+        </p:spPr>
+        <p:txBody>
+          <a:bodyPr wrap="none" rtlCol="0">
+            <a:spAutoFit/>
           </a:bodyPr>
           <a:lstStyle/>
           <a:p>
-            <a:pPr algn="r"/>
-            <a:endParaRPr lang="en-US" sz="4800"/>
+            <a:r>
+              <a:rPr lang="hu-HU" sz="3200" dirty="0"/>
+              <a:t>UML</a:t>
+            </a:r>
           </a:p>
         </p:txBody>
       </p:sp>
@@ -6648,7 +6686,7 @@
         </p:blipFill>
         <p:spPr>
           <a:xfrm>
-            <a:off x="7952796" y="2627449"/>
+            <a:off x="7952796" y="1075659"/>
             <a:ext cx="4013311" cy="3970421"/>
           </a:xfrm>
           <a:prstGeom prst="rect">
@@ -6656,45 +6694,6 @@
           </a:prstGeom>
         </p:spPr>
       </p:pic>
-      <p:cxnSp>
-        <p:nvCxnSpPr>
-          <p:cNvPr id="8" name="Egyenes összekötő nyíllal 7">
-            <a:extLst>
-              <a:ext uri="{FF2B5EF4-FFF2-40B4-BE49-F238E27FC236}">
-                <a16:creationId xmlns:a16="http://schemas.microsoft.com/office/drawing/2014/main" id="{AD35BCDD-49A4-9995-4DBF-DE9A17D8F20D}"/>
-              </a:ext>
-            </a:extLst>
-          </p:cNvPr>
-          <p:cNvCxnSpPr/>
-          <p:nvPr/>
-        </p:nvCxnSpPr>
-        <p:spPr>
-          <a:xfrm>
-            <a:off x="7602727" y="1645920"/>
-            <a:ext cx="665374" cy="0"/>
-          </a:xfrm>
-          <a:prstGeom prst="straightConnector1">
-            <a:avLst/>
-          </a:prstGeom>
-          <a:ln>
-            <a:tailEnd type="triangle"/>
-          </a:ln>
-        </p:spPr>
-        <p:style>
-          <a:lnRef idx="1">
-            <a:schemeClr val="accent1"/>
-          </a:lnRef>
-          <a:fillRef idx="0">
-            <a:schemeClr val="accent1"/>
-          </a:fillRef>
-          <a:effectRef idx="0">
-            <a:schemeClr val="accent1"/>
-          </a:effectRef>
-          <a:fontRef idx="minor">
-            <a:schemeClr val="tx1"/>
-          </a:fontRef>
-        </p:style>
-      </p:cxnSp>
       <p:sp>
         <p:nvSpPr>
           <p:cNvPr id="9" name="Szövegdoboz 8">
@@ -6709,7 +6708,7 @@
         </p:nvSpPr>
         <p:spPr>
           <a:xfrm>
-            <a:off x="8422105" y="1445865"/>
+            <a:off x="2446105" y="3812973"/>
             <a:ext cx="2404872" cy="400110"/>
           </a:xfrm>
           <a:prstGeom prst="rect">
@@ -6730,45 +6729,6 @@
           </a:p>
         </p:txBody>
       </p:sp>
-      <p:cxnSp>
-        <p:nvCxnSpPr>
-          <p:cNvPr id="11" name="Egyenes összekötő nyíllal 10">
-            <a:extLst>
-              <a:ext uri="{FF2B5EF4-FFF2-40B4-BE49-F238E27FC236}">
-                <a16:creationId xmlns:a16="http://schemas.microsoft.com/office/drawing/2014/main" id="{654FC358-A9BB-E1E3-2C10-8159EB09603C}"/>
-              </a:ext>
-            </a:extLst>
-          </p:cNvPr>
-          <p:cNvCxnSpPr/>
-          <p:nvPr/>
-        </p:nvCxnSpPr>
-        <p:spPr>
-          <a:xfrm flipH="1">
-            <a:off x="7050024" y="5257800"/>
-            <a:ext cx="731520" cy="0"/>
-          </a:xfrm>
-          <a:prstGeom prst="straightConnector1">
-            <a:avLst/>
-          </a:prstGeom>
-          <a:ln>
-            <a:tailEnd type="triangle"/>
-          </a:ln>
-        </p:spPr>
-        <p:style>
-          <a:lnRef idx="1">
-            <a:schemeClr val="accent1"/>
-          </a:lnRef>
-          <a:fillRef idx="0">
-            <a:schemeClr val="accent1"/>
-          </a:fillRef>
-          <a:effectRef idx="0">
-            <a:schemeClr val="accent1"/>
-          </a:effectRef>
-          <a:fontRef idx="minor">
-            <a:schemeClr val="tx1"/>
-          </a:fontRef>
-        </p:style>
-      </p:cxnSp>
       <p:sp>
         <p:nvSpPr>
           <p:cNvPr id="12" name="Szövegdoboz 11">
@@ -6783,7 +6743,7 @@
         </p:nvSpPr>
         <p:spPr>
           <a:xfrm>
-            <a:off x="4870140" y="5057745"/>
+            <a:off x="8979127" y="5226693"/>
             <a:ext cx="2179884" cy="400110"/>
           </a:xfrm>
           <a:prstGeom prst="rect">
@@ -6800,6 +6760,77 @@
             <a:r>
               <a:rPr lang="hu-HU" sz="2000" dirty="0"/>
               <a:t>Verseny indítása</a:t>
+            </a:r>
+          </a:p>
+        </p:txBody>
+      </p:sp>
+      <p:pic>
+        <p:nvPicPr>
+          <p:cNvPr id="3" name="Kép 2" descr="A képen szöveg, képernyőkép, Betűtípus, sor látható&#10;&#10;Előfordulhat, hogy a mesterséges intelligencia által létrehozott tartalom helytelen.">
+            <a:extLst>
+              <a:ext uri="{FF2B5EF4-FFF2-40B4-BE49-F238E27FC236}">
+                <a16:creationId xmlns:a16="http://schemas.microsoft.com/office/drawing/2014/main" id="{BA5A23CE-3E3A-33A8-EAC1-807A157740DB}"/>
+              </a:ext>
+            </a:extLst>
+          </p:cNvPr>
+          <p:cNvPicPr>
+            <a:picLocks noChangeAspect="1"/>
+          </p:cNvPicPr>
+          <p:nvPr/>
+        </p:nvPicPr>
+        <p:blipFill>
+          <a:blip r:embed="rId4">
+            <a:extLst>
+              <a:ext uri="{28A0092B-C50C-407E-A947-70E740481C1C}">
+                <a14:useLocalDpi xmlns:a14="http://schemas.microsoft.com/office/drawing/2010/main" val="0"/>
+              </a:ext>
+            </a:extLst>
+          </a:blip>
+          <a:stretch>
+            <a:fillRect/>
+          </a:stretch>
+        </p:blipFill>
+        <p:spPr>
+          <a:xfrm>
+            <a:off x="225893" y="4423397"/>
+            <a:ext cx="6845297" cy="1886213"/>
+          </a:xfrm>
+          <a:prstGeom prst="rect">
+            <a:avLst/>
+          </a:prstGeom>
+        </p:spPr>
+      </p:pic>
+      <p:sp>
+        <p:nvSpPr>
+          <p:cNvPr id="7" name="Szövegdoboz 6">
+            <a:extLst>
+              <a:ext uri="{FF2B5EF4-FFF2-40B4-BE49-F238E27FC236}">
+                <a16:creationId xmlns:a16="http://schemas.microsoft.com/office/drawing/2014/main" id="{3284578C-E734-676B-629E-838F102E9A3E}"/>
+              </a:ext>
+            </a:extLst>
+          </p:cNvPr>
+          <p:cNvSpPr txBox="1"/>
+          <p:nvPr/>
+        </p:nvSpPr>
+        <p:spPr>
+          <a:xfrm>
+            <a:off x="2949915" y="6325189"/>
+            <a:ext cx="2723923" cy="400110"/>
+          </a:xfrm>
+          <a:prstGeom prst="rect">
+            <a:avLst/>
+          </a:prstGeom>
+          <a:noFill/>
+        </p:spPr>
+        <p:txBody>
+          <a:bodyPr wrap="square" rtlCol="0">
+            <a:spAutoFit/>
+          </a:bodyPr>
+          <a:lstStyle/>
+          <a:p>
+            <a:r>
+              <a:rPr lang="hu-HU" sz="2000" dirty="0"/>
+              <a:t>Fogadás ellenőrzése</a:t>
             </a:r>
           </a:p>
         </p:txBody>
@@ -6822,7 +6853,13 @@
   <p:cSld>
     <p:spTree>
       <p:nvGrpSpPr>
-        <p:cNvPr id="1" name=""/>
+        <p:cNvPr id="1" name="">
+          <a:extLst>
+            <a:ext uri="{FF2B5EF4-FFF2-40B4-BE49-F238E27FC236}">
+              <a16:creationId xmlns:a16="http://schemas.microsoft.com/office/drawing/2014/main" id="{C5F387B3-069B-99BE-9778-B42427466669}"/>
+            </a:ext>
+          </a:extLst>
+        </p:cNvPr>
         <p:cNvGrpSpPr/>
         <p:nvPr/>
       </p:nvGrpSpPr>
@@ -6839,7 +6876,7 @@
           <p:cNvPr id="4" name="Szövegdoboz 3">
             <a:extLst>
               <a:ext uri="{FF2B5EF4-FFF2-40B4-BE49-F238E27FC236}">
-                <a16:creationId xmlns:a16="http://schemas.microsoft.com/office/drawing/2014/main" id="{3B5D5FDD-59B1-B00B-97F8-AA90BA4A18E4}"/>
+                <a16:creationId xmlns:a16="http://schemas.microsoft.com/office/drawing/2014/main" id="{1DFAB2DB-E32A-2DD4-DCB9-C87B13E800E5}"/>
               </a:ext>
             </a:extLst>
           </p:cNvPr>
@@ -6874,7 +6911,7 @@
           <p:cNvPr id="6" name="Kép 5">
             <a:extLst>
               <a:ext uri="{FF2B5EF4-FFF2-40B4-BE49-F238E27FC236}">
-                <a16:creationId xmlns:a16="http://schemas.microsoft.com/office/drawing/2014/main" id="{9F9DAA0A-C757-F670-57B8-179A9265810A}"/>
+                <a16:creationId xmlns:a16="http://schemas.microsoft.com/office/drawing/2014/main" id="{53A44529-C734-AFE9-5A26-6F2D3F6D9662}"/>
               </a:ext>
             </a:extLst>
           </p:cNvPr>
@@ -6904,7 +6941,7 @@
           <p:cNvPr id="7" name="Szövegdoboz 6">
             <a:extLst>
               <a:ext uri="{FF2B5EF4-FFF2-40B4-BE49-F238E27FC236}">
-                <a16:creationId xmlns:a16="http://schemas.microsoft.com/office/drawing/2014/main" id="{A8BB9E38-557A-B48F-2DBB-EF4B09D76369}"/>
+                <a16:creationId xmlns:a16="http://schemas.microsoft.com/office/drawing/2014/main" id="{F3765A3A-2D25-7745-A169-29FE4E0B7EBD}"/>
               </a:ext>
             </a:extLst>
           </p:cNvPr>
@@ -6929,15 +6966,7 @@
           <a:p>
             <a:r>
               <a:rPr lang="hu-HU" sz="2500" dirty="0"/>
-              <a:t>Main-ben való </a:t>
-            </a:r>
-            <a:r>
-              <a:rPr lang="hu-HU" sz="2500" dirty="0" err="1"/>
-              <a:t>példányosítása</a:t>
-            </a:r>
-            <a:r>
-              <a:rPr lang="hu-HU" sz="2500" dirty="0"/>
-              <a:t> és meghívás</a:t>
+              <a:t>Main-ben való példányosítása és meghívás</a:t>
             </a:r>
           </a:p>
         </p:txBody>
@@ -6945,7 +6974,7 @@
     </p:spTree>
     <p:extLst>
       <p:ext uri="{BB962C8B-B14F-4D97-AF65-F5344CB8AC3E}">
-        <p14:creationId xmlns:p14="http://schemas.microsoft.com/office/powerpoint/2010/main" val="3819915036"/>
+        <p14:creationId xmlns:p14="http://schemas.microsoft.com/office/powerpoint/2010/main" val="1843612550"/>
       </p:ext>
     </p:extLst>
   </p:cSld>

--- a/CsigaVersenyPPT2.pptx
+++ b/CsigaVersenyPPT2.pptx
@@ -118,6 +118,121 @@
 </p:presentation>
 </file>
 
+<file path=ppt/revisionInfo.xml><?xml version="1.0" encoding="utf-8"?>
+<p1510:revInfo xmlns:a="http://schemas.openxmlformats.org/drawingml/2006/main" xmlns:r="http://schemas.openxmlformats.org/officeDocument/2006/relationships" xmlns:p1510="http://schemas.microsoft.com/office/powerpoint/2015/10/main">
+  <p1510:revLst>
+    <p1510:client id="{C59D0FD6-F1DB-4EE1-8B0A-0A2C73E432E0}" v="3" dt="2025-04-09T21:39:03.770"/>
+  </p1510:revLst>
+</p1510:revInfo>
+</file>
+
+<file path=ppt/changesInfos/changesInfo1.xml><?xml version="1.0" encoding="utf-8"?>
+<pc:chgInfo xmlns:a="http://schemas.openxmlformats.org/drawingml/2006/main" xmlns:r="http://schemas.openxmlformats.org/officeDocument/2006/relationships" xmlns:ac="http://schemas.microsoft.com/office/drawing/2013/main/command" xmlns:pc="http://schemas.microsoft.com/office/powerpoint/2013/main/command">
+  <pc:docChgLst>
+    <pc:chgData name="Bálint Ghéczy" userId="e9eec3dddbf74d54" providerId="LiveId" clId="{C59D0FD6-F1DB-4EE1-8B0A-0A2C73E432E0}"/>
+    <pc:docChg chg="custSel modSld">
+      <pc:chgData name="Bálint Ghéczy" userId="e9eec3dddbf74d54" providerId="LiveId" clId="{C59D0FD6-F1DB-4EE1-8B0A-0A2C73E432E0}" dt="2025-04-09T21:39:22.101" v="53" actId="1076"/>
+      <pc:docMkLst>
+        <pc:docMk/>
+      </pc:docMkLst>
+      <pc:sldChg chg="modSp mod">
+        <pc:chgData name="Bálint Ghéczy" userId="e9eec3dddbf74d54" providerId="LiveId" clId="{C59D0FD6-F1DB-4EE1-8B0A-0A2C73E432E0}" dt="2025-04-09T21:24:13.947" v="8" actId="20577"/>
+        <pc:sldMkLst>
+          <pc:docMk/>
+          <pc:sldMk cId="916907910" sldId="258"/>
+        </pc:sldMkLst>
+        <pc:spChg chg="mod">
+          <ac:chgData name="Bálint Ghéczy" userId="e9eec3dddbf74d54" providerId="LiveId" clId="{C59D0FD6-F1DB-4EE1-8B0A-0A2C73E432E0}" dt="2025-04-09T21:24:13.947" v="8" actId="20577"/>
+          <ac:spMkLst>
+            <pc:docMk/>
+            <pc:sldMk cId="916907910" sldId="258"/>
+            <ac:spMk id="5" creationId="{D23B24F7-1459-D29D-B6DA-E351B708CF59}"/>
+          </ac:spMkLst>
+        </pc:spChg>
+      </pc:sldChg>
+      <pc:sldChg chg="addSp delSp modSp mod">
+        <pc:chgData name="Bálint Ghéczy" userId="e9eec3dddbf74d54" providerId="LiveId" clId="{C59D0FD6-F1DB-4EE1-8B0A-0A2C73E432E0}" dt="2025-04-09T21:39:22.101" v="53" actId="1076"/>
+        <pc:sldMkLst>
+          <pc:docMk/>
+          <pc:sldMk cId="2475989249" sldId="259"/>
+        </pc:sldMkLst>
+        <pc:spChg chg="mod">
+          <ac:chgData name="Bálint Ghéczy" userId="e9eec3dddbf74d54" providerId="LiveId" clId="{C59D0FD6-F1DB-4EE1-8B0A-0A2C73E432E0}" dt="2025-04-09T21:38:48.306" v="43" actId="20577"/>
+          <ac:spMkLst>
+            <pc:docMk/>
+            <pc:sldMk cId="2475989249" sldId="259"/>
+            <ac:spMk id="13" creationId="{7F7C5159-4C28-5546-3F98-47A8BAED6FA5}"/>
+          </ac:spMkLst>
+        </pc:spChg>
+        <pc:picChg chg="add mod">
+          <ac:chgData name="Bálint Ghéczy" userId="e9eec3dddbf74d54" providerId="LiveId" clId="{C59D0FD6-F1DB-4EE1-8B0A-0A2C73E432E0}" dt="2025-04-09T21:39:22.101" v="53" actId="1076"/>
+          <ac:picMkLst>
+            <pc:docMk/>
+            <pc:sldMk cId="2475989249" sldId="259"/>
+            <ac:picMk id="5" creationId="{283D7854-0248-8F0B-71CC-4ACCF1464B11}"/>
+          </ac:picMkLst>
+        </pc:picChg>
+        <pc:picChg chg="add mod">
+          <ac:chgData name="Bálint Ghéczy" userId="e9eec3dddbf74d54" providerId="LiveId" clId="{C59D0FD6-F1DB-4EE1-8B0A-0A2C73E432E0}" dt="2025-04-09T21:38:40.545" v="39" actId="1076"/>
+          <ac:picMkLst>
+            <pc:docMk/>
+            <pc:sldMk cId="2475989249" sldId="259"/>
+            <ac:picMk id="7" creationId="{54D577B2-6643-3C72-12FA-EAC8F7AC0CF6}"/>
+          </ac:picMkLst>
+        </pc:picChg>
+        <pc:picChg chg="del">
+          <ac:chgData name="Bálint Ghéczy" userId="e9eec3dddbf74d54" providerId="LiveId" clId="{C59D0FD6-F1DB-4EE1-8B0A-0A2C73E432E0}" dt="2025-04-09T21:37:24.391" v="19" actId="478"/>
+          <ac:picMkLst>
+            <pc:docMk/>
+            <pc:sldMk cId="2475989249" sldId="259"/>
+            <ac:picMk id="9" creationId="{26D6698B-9770-007E-8BEA-F8863819E23D}"/>
+          </ac:picMkLst>
+        </pc:picChg>
+        <pc:picChg chg="del">
+          <ac:chgData name="Bálint Ghéczy" userId="e9eec3dddbf74d54" providerId="LiveId" clId="{C59D0FD6-F1DB-4EE1-8B0A-0A2C73E432E0}" dt="2025-04-09T21:38:15.824" v="29" actId="478"/>
+          <ac:picMkLst>
+            <pc:docMk/>
+            <pc:sldMk cId="2475989249" sldId="259"/>
+            <ac:picMk id="10" creationId="{29487360-DA74-86F5-5489-8BDAA75719CB}"/>
+          </ac:picMkLst>
+        </pc:picChg>
+        <pc:picChg chg="del mod">
+          <ac:chgData name="Bálint Ghéczy" userId="e9eec3dddbf74d54" providerId="LiveId" clId="{C59D0FD6-F1DB-4EE1-8B0A-0A2C73E432E0}" dt="2025-04-09T21:38:17.921" v="31" actId="478"/>
+          <ac:picMkLst>
+            <pc:docMk/>
+            <pc:sldMk cId="2475989249" sldId="259"/>
+            <ac:picMk id="11" creationId="{BBEC5399-CDF6-870F-8E2B-5A694F6D73A3}"/>
+          </ac:picMkLst>
+        </pc:picChg>
+        <pc:picChg chg="add mod">
+          <ac:chgData name="Bálint Ghéczy" userId="e9eec3dddbf74d54" providerId="LiveId" clId="{C59D0FD6-F1DB-4EE1-8B0A-0A2C73E432E0}" dt="2025-04-09T21:39:21.030" v="52" actId="1076"/>
+          <ac:picMkLst>
+            <pc:docMk/>
+            <pc:sldMk cId="2475989249" sldId="259"/>
+            <ac:picMk id="12" creationId="{15B2AD1E-0143-16A2-BED1-7D3E8E6A82A0}"/>
+          </ac:picMkLst>
+        </pc:picChg>
+      </pc:sldChg>
+      <pc:sldChg chg="modSp mod">
+        <pc:chgData name="Bálint Ghéczy" userId="e9eec3dddbf74d54" providerId="LiveId" clId="{C59D0FD6-F1DB-4EE1-8B0A-0A2C73E432E0}" dt="2025-04-09T21:24:40.285" v="18" actId="14100"/>
+        <pc:sldMkLst>
+          <pc:docMk/>
+          <pc:sldMk cId="3799104570" sldId="260"/>
+        </pc:sldMkLst>
+        <pc:spChg chg="mod">
+          <ac:chgData name="Bálint Ghéczy" userId="e9eec3dddbf74d54" providerId="LiveId" clId="{C59D0FD6-F1DB-4EE1-8B0A-0A2C73E432E0}" dt="2025-04-09T21:24:40.285" v="18" actId="14100"/>
+          <ac:spMkLst>
+            <pc:docMk/>
+            <pc:sldMk cId="3799104570" sldId="260"/>
+            <ac:spMk id="10" creationId="{A2B21EFE-543C-2A19-715C-7C1501192896}"/>
+          </ac:spMkLst>
+        </pc:spChg>
+      </pc:sldChg>
+    </pc:docChg>
+  </pc:docChgLst>
+</pc:chgInfo>
+</file>
+
 <file path=ppt/slideLayouts/slideLayout1.xml><?xml version="1.0" encoding="utf-8"?>
 <p:sldLayout xmlns:a="http://schemas.openxmlformats.org/drawingml/2006/main" xmlns:r="http://schemas.openxmlformats.org/officeDocument/2006/relationships" xmlns:p="http://schemas.openxmlformats.org/presentationml/2006/main" type="title" preserve="1">
   <p:cSld name="Címdia">
@@ -251,7 +366,7 @@
           <a:p>
             <a:fld id="{E3D73443-7206-4043-85BA-F2490C7953FE}" type="datetimeFigureOut">
               <a:rPr lang="hu-HU" smtClean="0"/>
-              <a:t>2025. 04. 07.</a:t>
+              <a:t>2025. 04. 09.</a:t>
             </a:fld>
             <a:endParaRPr lang="hu-HU"/>
           </a:p>
@@ -538,7 +653,7 @@
           <a:p>
             <a:fld id="{E3D73443-7206-4043-85BA-F2490C7953FE}" type="datetimeFigureOut">
               <a:rPr lang="hu-HU" smtClean="0"/>
-              <a:t>2025. 04. 07.</a:t>
+              <a:t>2025. 04. 09.</a:t>
             </a:fld>
             <a:endParaRPr lang="hu-HU"/>
           </a:p>
@@ -730,7 +845,7 @@
           <a:p>
             <a:fld id="{E3D73443-7206-4043-85BA-F2490C7953FE}" type="datetimeFigureOut">
               <a:rPr lang="hu-HU" smtClean="0"/>
-              <a:t>2025. 04. 07.</a:t>
+              <a:t>2025. 04. 09.</a:t>
             </a:fld>
             <a:endParaRPr lang="hu-HU"/>
           </a:p>
@@ -991,7 +1106,7 @@
           <a:p>
             <a:fld id="{E3D73443-7206-4043-85BA-F2490C7953FE}" type="datetimeFigureOut">
               <a:rPr lang="hu-HU" smtClean="0"/>
-              <a:t>2025. 04. 07.</a:t>
+              <a:t>2025. 04. 09.</a:t>
             </a:fld>
             <a:endParaRPr lang="hu-HU"/>
           </a:p>
@@ -1415,7 +1530,7 @@
           <a:p>
             <a:fld id="{E3D73443-7206-4043-85BA-F2490C7953FE}" type="datetimeFigureOut">
               <a:rPr lang="hu-HU" smtClean="0"/>
-              <a:t>2025. 04. 07.</a:t>
+              <a:t>2025. 04. 09.</a:t>
             </a:fld>
             <a:endParaRPr lang="hu-HU"/>
           </a:p>
@@ -1961,7 +2076,7 @@
           <a:p>
             <a:fld id="{E3D73443-7206-4043-85BA-F2490C7953FE}" type="datetimeFigureOut">
               <a:rPr lang="hu-HU" smtClean="0"/>
-              <a:t>2025. 04. 07.</a:t>
+              <a:t>2025. 04. 09.</a:t>
             </a:fld>
             <a:endParaRPr lang="hu-HU"/>
           </a:p>
@@ -2801,7 +2916,7 @@
           <a:p>
             <a:fld id="{E3D73443-7206-4043-85BA-F2490C7953FE}" type="datetimeFigureOut">
               <a:rPr lang="hu-HU" smtClean="0"/>
-              <a:t>2025. 04. 07.</a:t>
+              <a:t>2025. 04. 09.</a:t>
             </a:fld>
             <a:endParaRPr lang="hu-HU"/>
           </a:p>
@@ -2971,7 +3086,7 @@
           <a:p>
             <a:fld id="{E3D73443-7206-4043-85BA-F2490C7953FE}" type="datetimeFigureOut">
               <a:rPr lang="hu-HU" smtClean="0"/>
-              <a:t>2025. 04. 07.</a:t>
+              <a:t>2025. 04. 09.</a:t>
             </a:fld>
             <a:endParaRPr lang="hu-HU"/>
           </a:p>
@@ -3155,7 +3270,7 @@
           <a:p>
             <a:fld id="{E3D73443-7206-4043-85BA-F2490C7953FE}" type="datetimeFigureOut">
               <a:rPr lang="hu-HU" smtClean="0"/>
-              <a:t>2025. 04. 07.</a:t>
+              <a:t>2025. 04. 09.</a:t>
             </a:fld>
             <a:endParaRPr lang="hu-HU"/>
           </a:p>
@@ -3325,7 +3440,7 @@
           <a:p>
             <a:fld id="{E3D73443-7206-4043-85BA-F2490C7953FE}" type="datetimeFigureOut">
               <a:rPr lang="hu-HU" smtClean="0"/>
-              <a:t>2025. 04. 07.</a:t>
+              <a:t>2025. 04. 09.</a:t>
             </a:fld>
             <a:endParaRPr lang="hu-HU"/>
           </a:p>
@@ -3573,7 +3688,7 @@
           <a:p>
             <a:fld id="{E3D73443-7206-4043-85BA-F2490C7953FE}" type="datetimeFigureOut">
               <a:rPr lang="hu-HU" smtClean="0"/>
-              <a:t>2025. 04. 07.</a:t>
+              <a:t>2025. 04. 09.</a:t>
             </a:fld>
             <a:endParaRPr lang="hu-HU"/>
           </a:p>
@@ -3810,7 +3925,7 @@
           <a:p>
             <a:fld id="{E3D73443-7206-4043-85BA-F2490C7953FE}" type="datetimeFigureOut">
               <a:rPr lang="hu-HU" smtClean="0"/>
-              <a:t>2025. 04. 07.</a:t>
+              <a:t>2025. 04. 09.</a:t>
             </a:fld>
             <a:endParaRPr lang="hu-HU"/>
           </a:p>
@@ -4183,7 +4298,7 @@
           <a:p>
             <a:fld id="{E3D73443-7206-4043-85BA-F2490C7953FE}" type="datetimeFigureOut">
               <a:rPr lang="hu-HU" smtClean="0"/>
-              <a:t>2025. 04. 07.</a:t>
+              <a:t>2025. 04. 09.</a:t>
             </a:fld>
             <a:endParaRPr lang="hu-HU"/>
           </a:p>
@@ -4301,7 +4416,7 @@
           <a:p>
             <a:fld id="{E3D73443-7206-4043-85BA-F2490C7953FE}" type="datetimeFigureOut">
               <a:rPr lang="hu-HU" smtClean="0"/>
-              <a:t>2025. 04. 07.</a:t>
+              <a:t>2025. 04. 09.</a:t>
             </a:fld>
             <a:endParaRPr lang="hu-HU"/>
           </a:p>
@@ -4396,7 +4511,7 @@
           <a:p>
             <a:fld id="{E3D73443-7206-4043-85BA-F2490C7953FE}" type="datetimeFigureOut">
               <a:rPr lang="hu-HU" smtClean="0"/>
-              <a:t>2025. 04. 07.</a:t>
+              <a:t>2025. 04. 09.</a:t>
             </a:fld>
             <a:endParaRPr lang="hu-HU"/>
           </a:p>
@@ -4647,7 +4762,7 @@
           <a:p>
             <a:fld id="{E3D73443-7206-4043-85BA-F2490C7953FE}" type="datetimeFigureOut">
               <a:rPr lang="hu-HU" smtClean="0"/>
-              <a:t>2025. 04. 07.</a:t>
+              <a:t>2025. 04. 09.</a:t>
             </a:fld>
             <a:endParaRPr lang="hu-HU"/>
           </a:p>
@@ -4934,7 +5049,7 @@
           <a:p>
             <a:fld id="{E3D73443-7206-4043-85BA-F2490C7953FE}" type="datetimeFigureOut">
               <a:rPr lang="hu-HU" smtClean="0"/>
-              <a:t>2025. 04. 07.</a:t>
+              <a:t>2025. 04. 09.</a:t>
             </a:fld>
             <a:endParaRPr lang="hu-HU"/>
           </a:p>
@@ -5147,7 +5262,7 @@
           <a:p>
             <a:fld id="{E3D73443-7206-4043-85BA-F2490C7953FE}" type="datetimeFigureOut">
               <a:rPr lang="hu-HU" smtClean="0"/>
-              <a:t>2025. 04. 07.</a:t>
+              <a:t>2025. 04. 09.</a:t>
             </a:fld>
             <a:endParaRPr lang="hu-HU"/>
           </a:p>
@@ -5999,7 +6114,7 @@
           <a:p>
             <a:r>
               <a:rPr lang="hu-HU" dirty="0"/>
-              <a:t>A Csiga osztályban való változók megadása</a:t>
+              <a:t>A Csiga osztályban való adattagok megadása</a:t>
             </a:r>
           </a:p>
         </p:txBody>
@@ -6191,12 +6306,82 @@
           </a:p>
         </p:txBody>
       </p:sp>
+      <p:sp>
+        <p:nvSpPr>
+          <p:cNvPr id="13" name="Szövegdoboz 12">
+            <a:extLst>
+              <a:ext uri="{FF2B5EF4-FFF2-40B4-BE49-F238E27FC236}">
+                <a16:creationId xmlns:a16="http://schemas.microsoft.com/office/drawing/2014/main" id="{7F7C5159-4C28-5546-3F98-47A8BAED6FA5}"/>
+              </a:ext>
+            </a:extLst>
+          </p:cNvPr>
+          <p:cNvSpPr txBox="1"/>
+          <p:nvPr/>
+        </p:nvSpPr>
+        <p:spPr>
+          <a:xfrm>
+            <a:off x="8261413" y="3059668"/>
+            <a:ext cx="1655064" cy="400110"/>
+          </a:xfrm>
+          <a:prstGeom prst="rect">
+            <a:avLst/>
+          </a:prstGeom>
+          <a:noFill/>
+        </p:spPr>
+        <p:txBody>
+          <a:bodyPr wrap="square" rtlCol="0">
+            <a:spAutoFit/>
+          </a:bodyPr>
+          <a:lstStyle/>
+          <a:p>
+            <a:r>
+              <a:rPr lang="hu-HU" sz="2000" dirty="0"/>
+              <a:t>Gyorsulás</a:t>
+            </a:r>
+          </a:p>
+        </p:txBody>
+      </p:sp>
+      <p:sp>
+        <p:nvSpPr>
+          <p:cNvPr id="14" name="Szövegdoboz 13">
+            <a:extLst>
+              <a:ext uri="{FF2B5EF4-FFF2-40B4-BE49-F238E27FC236}">
+                <a16:creationId xmlns:a16="http://schemas.microsoft.com/office/drawing/2014/main" id="{E696B3B8-2F3B-F78E-FDAF-23C1DE99162A}"/>
+              </a:ext>
+            </a:extLst>
+          </p:cNvPr>
+          <p:cNvSpPr txBox="1"/>
+          <p:nvPr/>
+        </p:nvSpPr>
+        <p:spPr>
+          <a:xfrm>
+            <a:off x="8540304" y="6173467"/>
+            <a:ext cx="1198055" cy="400110"/>
+          </a:xfrm>
+          <a:prstGeom prst="rect">
+            <a:avLst/>
+          </a:prstGeom>
+          <a:noFill/>
+        </p:spPr>
+        <p:txBody>
+          <a:bodyPr wrap="square" rtlCol="0">
+            <a:spAutoFit/>
+          </a:bodyPr>
+          <a:lstStyle/>
+          <a:p>
+            <a:r>
+              <a:rPr lang="hu-HU" sz="2000" dirty="0"/>
+              <a:t>Haladás</a:t>
+            </a:r>
+          </a:p>
+        </p:txBody>
+      </p:sp>
       <p:pic>
         <p:nvPicPr>
-          <p:cNvPr id="9" name="Kép 8">
+          <p:cNvPr id="5" name="Kép 4" descr="A képen szöveg, képernyőkép, Betűtípus, szám látható&#10;&#10;Előfordulhat, hogy a mesterséges intelligencia által létrehozott tartalom helytelen.">
             <a:extLst>
               <a:ext uri="{FF2B5EF4-FFF2-40B4-BE49-F238E27FC236}">
-                <a16:creationId xmlns:a16="http://schemas.microsoft.com/office/drawing/2014/main" id="{26D6698B-9770-007E-8BEA-F8863819E23D}"/>
+                <a16:creationId xmlns:a16="http://schemas.microsoft.com/office/drawing/2014/main" id="{283D7854-0248-8F0B-71CC-4ACCF1464B11}"/>
               </a:ext>
             </a:extLst>
           </p:cNvPr>
@@ -6206,15 +6391,21 @@
           <p:nvPr/>
         </p:nvPicPr>
         <p:blipFill>
-          <a:blip r:embed="rId3"/>
+          <a:blip r:embed="rId3">
+            <a:extLst>
+              <a:ext uri="{28A0092B-C50C-407E-A947-70E740481C1C}">
+                <a14:useLocalDpi xmlns:a14="http://schemas.microsoft.com/office/drawing/2010/main" val="0"/>
+              </a:ext>
+            </a:extLst>
+          </a:blip>
           <a:stretch>
             <a:fillRect/>
           </a:stretch>
         </p:blipFill>
         <p:spPr>
           <a:xfrm>
-            <a:off x="393515" y="1366028"/>
-            <a:ext cx="5178550" cy="3924370"/>
+            <a:off x="598486" y="1344244"/>
+            <a:ext cx="4800398" cy="3976738"/>
           </a:xfrm>
           <a:prstGeom prst="rect">
             <a:avLst/>
@@ -6223,10 +6414,10 @@
       </p:pic>
       <p:pic>
         <p:nvPicPr>
-          <p:cNvPr id="10" name="Kép 9">
+          <p:cNvPr id="7" name="Kép 6" descr="A képen szöveg, képernyőkép, Betűtípus, szám látható&#10;&#10;Előfordulhat, hogy a mesterséges intelligencia által létrehozott tartalom helytelen.">
             <a:extLst>
               <a:ext uri="{FF2B5EF4-FFF2-40B4-BE49-F238E27FC236}">
-                <a16:creationId xmlns:a16="http://schemas.microsoft.com/office/drawing/2014/main" id="{29487360-DA74-86F5-5489-8BDAA75719CB}"/>
+                <a16:creationId xmlns:a16="http://schemas.microsoft.com/office/drawing/2014/main" id="{54D577B2-6643-3C72-12FA-EAC8F7AC0CF6}"/>
               </a:ext>
             </a:extLst>
           </p:cNvPr>
@@ -6236,15 +6427,21 @@
           <p:nvPr/>
         </p:nvPicPr>
         <p:blipFill>
-          <a:blip r:embed="rId4"/>
+          <a:blip r:embed="rId4">
+            <a:extLst>
+              <a:ext uri="{28A0092B-C50C-407E-A947-70E740481C1C}">
+                <a14:useLocalDpi xmlns:a14="http://schemas.microsoft.com/office/drawing/2010/main" val="0"/>
+              </a:ext>
+            </a:extLst>
+          </a:blip>
           <a:stretch>
             <a:fillRect/>
           </a:stretch>
         </p:blipFill>
         <p:spPr>
           <a:xfrm>
-            <a:off x="6619937" y="1366028"/>
-            <a:ext cx="4938016" cy="1471908"/>
+            <a:off x="6793116" y="1137171"/>
+            <a:ext cx="4591658" cy="1964061"/>
           </a:xfrm>
           <a:prstGeom prst="rect">
             <a:avLst/>
@@ -6253,10 +6450,10 @@
       </p:pic>
       <p:pic>
         <p:nvPicPr>
-          <p:cNvPr id="11" name="Kép 10">
+          <p:cNvPr id="12" name="Kép 11" descr="A képen szöveg, képernyőkép, Betűtípus, szám látható&#10;&#10;Előfordulhat, hogy a mesterséges intelligencia által létrehozott tartalom helytelen.">
             <a:extLst>
               <a:ext uri="{FF2B5EF4-FFF2-40B4-BE49-F238E27FC236}">
-                <a16:creationId xmlns:a16="http://schemas.microsoft.com/office/drawing/2014/main" id="{BBEC5399-CDF6-870F-8E2B-5A694F6D73A3}"/>
+                <a16:creationId xmlns:a16="http://schemas.microsoft.com/office/drawing/2014/main" id="{15B2AD1E-0143-16A2-BED1-7D3E8E6A82A0}"/>
               </a:ext>
             </a:extLst>
           </p:cNvPr>
@@ -6266,92 +6463,27 @@
           <p:nvPr/>
         </p:nvPicPr>
         <p:blipFill>
-          <a:blip r:embed="rId5"/>
+          <a:blip r:embed="rId5">
+            <a:extLst>
+              <a:ext uri="{28A0092B-C50C-407E-A947-70E740481C1C}">
+                <a14:useLocalDpi xmlns:a14="http://schemas.microsoft.com/office/drawing/2010/main" val="0"/>
+              </a:ext>
+            </a:extLst>
+          </a:blip>
           <a:stretch>
             <a:fillRect/>
           </a:stretch>
         </p:blipFill>
         <p:spPr>
           <a:xfrm>
-            <a:off x="7424159" y="3891353"/>
-            <a:ext cx="4133794" cy="2033289"/>
+            <a:off x="6793117" y="3673702"/>
+            <a:ext cx="4591657" cy="2368943"/>
           </a:xfrm>
           <a:prstGeom prst="rect">
             <a:avLst/>
           </a:prstGeom>
         </p:spPr>
       </p:pic>
-      <p:sp>
-        <p:nvSpPr>
-          <p:cNvPr id="13" name="Szövegdoboz 12">
-            <a:extLst>
-              <a:ext uri="{FF2B5EF4-FFF2-40B4-BE49-F238E27FC236}">
-                <a16:creationId xmlns:a16="http://schemas.microsoft.com/office/drawing/2014/main" id="{7F7C5159-4C28-5546-3F98-47A8BAED6FA5}"/>
-              </a:ext>
-            </a:extLst>
-          </p:cNvPr>
-          <p:cNvSpPr txBox="1"/>
-          <p:nvPr/>
-        </p:nvSpPr>
-        <p:spPr>
-          <a:xfrm>
-            <a:off x="8261413" y="3059668"/>
-            <a:ext cx="1655064" cy="400110"/>
-          </a:xfrm>
-          <a:prstGeom prst="rect">
-            <a:avLst/>
-          </a:prstGeom>
-          <a:noFill/>
-        </p:spPr>
-        <p:txBody>
-          <a:bodyPr wrap="square" rtlCol="0">
-            <a:spAutoFit/>
-          </a:bodyPr>
-          <a:lstStyle/>
-          <a:p>
-            <a:r>
-              <a:rPr lang="hu-HU" sz="2000" dirty="0" err="1"/>
-              <a:t>Gyorsolusás</a:t>
-            </a:r>
-            <a:endParaRPr lang="hu-HU" sz="2000" dirty="0"/>
-          </a:p>
-        </p:txBody>
-      </p:sp>
-      <p:sp>
-        <p:nvSpPr>
-          <p:cNvPr id="14" name="Szövegdoboz 13">
-            <a:extLst>
-              <a:ext uri="{FF2B5EF4-FFF2-40B4-BE49-F238E27FC236}">
-                <a16:creationId xmlns:a16="http://schemas.microsoft.com/office/drawing/2014/main" id="{E696B3B8-2F3B-F78E-FDAF-23C1DE99162A}"/>
-              </a:ext>
-            </a:extLst>
-          </p:cNvPr>
-          <p:cNvSpPr txBox="1"/>
-          <p:nvPr/>
-        </p:nvSpPr>
-        <p:spPr>
-          <a:xfrm>
-            <a:off x="8540304" y="6173467"/>
-            <a:ext cx="1198055" cy="400110"/>
-          </a:xfrm>
-          <a:prstGeom prst="rect">
-            <a:avLst/>
-          </a:prstGeom>
-          <a:noFill/>
-        </p:spPr>
-        <p:txBody>
-          <a:bodyPr wrap="square" rtlCol="0">
-            <a:spAutoFit/>
-          </a:bodyPr>
-          <a:lstStyle/>
-          <a:p>
-            <a:r>
-              <a:rPr lang="hu-HU" sz="2000" dirty="0"/>
-              <a:t>Haladás</a:t>
-            </a:r>
-          </a:p>
-        </p:txBody>
-      </p:sp>
     </p:spTree>
     <p:extLst>
       <p:ext uri="{BB962C8B-B14F-4D97-AF65-F5344CB8AC3E}">
@@ -6514,7 +6646,7 @@
         <p:spPr>
           <a:xfrm>
             <a:off x="251159" y="1219510"/>
-            <a:ext cx="5025265" cy="369332"/>
+            <a:ext cx="5190515" cy="369332"/>
           </a:xfrm>
           <a:prstGeom prst="rect">
             <a:avLst/>
@@ -6529,7 +6661,7 @@
           <a:p>
             <a:r>
               <a:rPr lang="hu-HU" dirty="0"/>
-              <a:t>A Verseny osztályban való változók megadása</a:t>
+              <a:t>A Verseny osztályban való adattagok megadása</a:t>
             </a:r>
           </a:p>
         </p:txBody>
